--- a/Back-End/NodeJS/Server 프로세스 관리.pptx
+++ b/Back-End/NodeJS/Server 프로세스 관리.pptx
@@ -250,7 +250,7 @@
           <a:p>
             <a:fld id="{0701E38F-D71B-4628-B377-F26FA834EB07}" type="datetimeFigureOut">
               <a:rPr lang="ko-KR" altLang="en-US" smtClean="0"/>
-              <a:t>2022-12-07</a:t>
+              <a:t>2022-12-09</a:t>
             </a:fld>
             <a:endParaRPr lang="ko-KR" altLang="en-US"/>
           </a:p>
@@ -416,7 +416,7 @@
             <a:fld id="{BC75A1C1-99F9-4ED1-B968-97F8F766565C}" type="datetimeFigureOut">
               <a:rPr lang="ko-KR" altLang="en-US" smtClean="0"/>
               <a:pPr/>
-              <a:t>2022-12-07</a:t>
+              <a:t>2022-12-09</a:t>
             </a:fld>
             <a:endParaRPr lang="ko-KR" altLang="en-US"/>
           </a:p>
@@ -3263,16 +3263,7 @@
                 </a:solidFill>
                 <a:effectLst/>
               </a:rPr>
-              <a:t> </a:t>
-            </a:r>
-            <a:r>
-              <a:rPr lang="en-US" altLang="ko-KR" sz="4000" dirty="0" smtClean="0">
-                <a:solidFill>
-                  <a:srgbClr val="FFFF00"/>
-                </a:solidFill>
-                <a:effectLst/>
-              </a:rPr>
-              <a:t>Server </a:t>
+              <a:t> Server </a:t>
             </a:r>
             <a:r>
               <a:rPr lang="ko-KR" altLang="en-US" sz="4000" smtClean="0">
@@ -5816,14 +5807,13 @@
               <a:buChar char="•"/>
             </a:pPr>
             <a:r>
-              <a:rPr lang="en-US" altLang="ko-KR" dirty="0" err="1"/>
+              <a:rPr lang="en-US" altLang="ko-KR" dirty="0" err="1" smtClean="0"/>
               <a:t>netstat</a:t>
             </a:r>
             <a:r>
-              <a:rPr lang="en-US" altLang="ko-KR" dirty="0"/>
+              <a:rPr lang="en-US" altLang="ko-KR" dirty="0" smtClean="0"/>
               <a:t> -a -o </a:t>
             </a:r>
-            <a:endParaRPr lang="en-US" altLang="ko-KR" dirty="0" smtClean="0"/>
           </a:p>
           <a:p>
             <a:pPr marL="742950" lvl="1" indent="-285750" latinLnBrk="0">
@@ -5834,11 +5824,11 @@
               <a:buChar char="•"/>
             </a:pPr>
             <a:r>
-              <a:rPr lang="en-US" altLang="ko-KR" dirty="0" err="1"/>
+              <a:rPr lang="en-US" altLang="ko-KR" dirty="0" err="1" smtClean="0"/>
               <a:t>taskkill</a:t>
             </a:r>
             <a:r>
-              <a:rPr lang="en-US" altLang="ko-KR" dirty="0"/>
+              <a:rPr lang="en-US" altLang="ko-KR" dirty="0" smtClean="0"/>
               <a:t> /f /</a:t>
             </a:r>
             <a:r>
@@ -5859,12 +5849,20 @@
               <a:buChar char="•"/>
             </a:pPr>
             <a:r>
-              <a:rPr lang="en-US" altLang="ko-KR" dirty="0" err="1">
+              <a:rPr lang="en-US" altLang="ko-KR" dirty="0" err="1" smtClean="0">
                 <a:solidFill>
                   <a:srgbClr val="FF0000"/>
                 </a:solidFill>
               </a:rPr>
               <a:t>netstat</a:t>
+            </a:r>
+            <a:r>
+              <a:rPr lang="en-US" altLang="ko-KR" dirty="0" smtClean="0">
+                <a:solidFill>
+                  <a:srgbClr val="FF0000"/>
+                </a:solidFill>
+              </a:rPr>
+              <a:t> </a:t>
             </a:r>
             <a:r>
               <a:rPr lang="en-US" altLang="ko-KR" dirty="0">
@@ -5872,7 +5870,7 @@
                   <a:srgbClr val="FF0000"/>
                 </a:solidFill>
               </a:rPr>
-              <a:t> -</a:t>
+              <a:t>-</a:t>
             </a:r>
             <a:r>
               <a:rPr lang="en-US" altLang="ko-KR" dirty="0" err="1">

--- a/Back-End/NodeJS/Server 프로세스 관리.pptx
+++ b/Back-End/NodeJS/Server 프로세스 관리.pptx
@@ -250,7 +250,7 @@
           <a:p>
             <a:fld id="{0701E38F-D71B-4628-B377-F26FA834EB07}" type="datetimeFigureOut">
               <a:rPr lang="ko-KR" altLang="en-US" smtClean="0"/>
-              <a:t>2022-12-09</a:t>
+              <a:t>2022-12-13</a:t>
             </a:fld>
             <a:endParaRPr lang="ko-KR" altLang="en-US"/>
           </a:p>
@@ -416,7 +416,7 @@
             <a:fld id="{BC75A1C1-99F9-4ED1-B968-97F8F766565C}" type="datetimeFigureOut">
               <a:rPr lang="ko-KR" altLang="en-US" smtClean="0"/>
               <a:pPr/>
-              <a:t>2022-12-09</a:t>
+              <a:t>2022-12-13</a:t>
             </a:fld>
             <a:endParaRPr lang="ko-KR" altLang="en-US"/>
           </a:p>
@@ -5814,6 +5814,7 @@
               <a:rPr lang="en-US" altLang="ko-KR" dirty="0" smtClean="0"/>
               <a:t> -a -o </a:t>
             </a:r>
+            <a:endParaRPr lang="en-US" altLang="ko-KR" dirty="0" smtClean="0"/>
           </a:p>
           <a:p>
             <a:pPr marL="742950" lvl="1" indent="-285750" latinLnBrk="0">
@@ -5824,6 +5825,72 @@
               <a:buChar char="•"/>
             </a:pPr>
             <a:r>
+              <a:rPr lang="en-US" altLang="ko-KR" dirty="0" err="1">
+                <a:solidFill>
+                  <a:srgbClr val="FF0000"/>
+                </a:solidFill>
+              </a:rPr>
+              <a:t>netstat</a:t>
+            </a:r>
+            <a:r>
+              <a:rPr lang="en-US" altLang="ko-KR" dirty="0">
+                <a:solidFill>
+                  <a:srgbClr val="FF0000"/>
+                </a:solidFill>
+              </a:rPr>
+              <a:t> -</a:t>
+            </a:r>
+            <a:r>
+              <a:rPr lang="en-US" altLang="ko-KR" dirty="0" err="1">
+                <a:solidFill>
+                  <a:srgbClr val="FF0000"/>
+                </a:solidFill>
+              </a:rPr>
+              <a:t>ano</a:t>
+            </a:r>
+            <a:r>
+              <a:rPr lang="en-US" altLang="ko-KR" dirty="0">
+                <a:solidFill>
+                  <a:srgbClr val="FF0000"/>
+                </a:solidFill>
+              </a:rPr>
+              <a:t> | </a:t>
+            </a:r>
+            <a:r>
+              <a:rPr lang="en-US" altLang="ko-KR" dirty="0" err="1">
+                <a:solidFill>
+                  <a:srgbClr val="FF0000"/>
+                </a:solidFill>
+              </a:rPr>
+              <a:t>findstr</a:t>
+            </a:r>
+            <a:r>
+              <a:rPr lang="en-US" altLang="ko-KR" dirty="0">
+                <a:solidFill>
+                  <a:srgbClr val="FF0000"/>
+                </a:solidFill>
+              </a:rPr>
+              <a:t> :</a:t>
+            </a:r>
+            <a:r>
+              <a:rPr lang="en-US" altLang="ko-KR" dirty="0" smtClean="0">
+                <a:solidFill>
+                  <a:srgbClr val="FF0000"/>
+                </a:solidFill>
+              </a:rPr>
+              <a:t>3000</a:t>
+            </a:r>
+            <a:endParaRPr lang="en-US" altLang="ko-KR" dirty="0" smtClean="0"/>
+          </a:p>
+          <a:p>
+            <a:pPr marL="742950" lvl="1" indent="-285750" latinLnBrk="0">
+              <a:lnSpc>
+                <a:spcPct val="150000"/>
+              </a:lnSpc>
+              <a:buFont typeface="Arial" panose="020B0604020202020204" pitchFamily="34" charset="0"/>
+              <a:buChar char="•"/>
+            </a:pPr>
+            <a:r>
               <a:rPr lang="en-US" altLang="ko-KR" dirty="0" err="1" smtClean="0"/>
               <a:t>taskkill</a:t>
             </a:r>
@@ -5837,7 +5904,23 @@
             </a:r>
             <a:r>
               <a:rPr lang="en-US" altLang="ko-KR" dirty="0" smtClean="0"/>
-              <a:t> 9440 : (3001 PID) </a:t>
+              <a:t> </a:t>
+            </a:r>
+            <a:r>
+              <a:rPr lang="en-US" altLang="ko-KR" dirty="0"/>
+              <a:t>31720 </a:t>
+            </a:r>
+            <a:r>
+              <a:rPr lang="en-US" altLang="ko-KR" dirty="0" smtClean="0"/>
+              <a:t>(</a:t>
+            </a:r>
+            <a:r>
+              <a:rPr lang="en-US" altLang="ko-KR" dirty="0" smtClean="0"/>
+              <a:t>PID</a:t>
+            </a:r>
+            <a:r>
+              <a:rPr lang="en-US" altLang="ko-KR" dirty="0" smtClean="0"/>
+              <a:t>) </a:t>
             </a:r>
           </a:p>
           <a:p>
@@ -5854,7 +5937,7 @@
                   <a:srgbClr val="FF0000"/>
                 </a:solidFill>
               </a:rPr>
-              <a:t>netstat</a:t>
+              <a:t>tskill</a:t>
             </a:r>
             <a:r>
               <a:rPr lang="en-US" altLang="ko-KR" dirty="0" smtClean="0">
@@ -5865,85 +5948,12 @@
               <a:t> </a:t>
             </a:r>
             <a:r>
-              <a:rPr lang="en-US" altLang="ko-KR" dirty="0">
-                <a:solidFill>
-                  <a:srgbClr val="FF0000"/>
-                </a:solidFill>
-              </a:rPr>
-              <a:t>-</a:t>
-            </a:r>
-            <a:r>
-              <a:rPr lang="en-US" altLang="ko-KR" dirty="0" err="1">
-                <a:solidFill>
-                  <a:srgbClr val="FF0000"/>
-                </a:solidFill>
-              </a:rPr>
-              <a:t>ano</a:t>
-            </a:r>
-            <a:r>
-              <a:rPr lang="en-US" altLang="ko-KR" dirty="0">
-                <a:solidFill>
-                  <a:srgbClr val="FF0000"/>
-                </a:solidFill>
-              </a:rPr>
-              <a:t> | </a:t>
-            </a:r>
-            <a:r>
-              <a:rPr lang="en-US" altLang="ko-KR" dirty="0" err="1">
-                <a:solidFill>
-                  <a:srgbClr val="FF0000"/>
-                </a:solidFill>
-              </a:rPr>
-              <a:t>findstr</a:t>
-            </a:r>
-            <a:r>
-              <a:rPr lang="en-US" altLang="ko-KR" dirty="0">
-                <a:solidFill>
-                  <a:srgbClr val="FF0000"/>
-                </a:solidFill>
-              </a:rPr>
-              <a:t> :</a:t>
-            </a:r>
-            <a:r>
               <a:rPr lang="en-US" altLang="ko-KR" dirty="0" smtClean="0">
                 <a:solidFill>
                   <a:srgbClr val="FF0000"/>
                 </a:solidFill>
               </a:rPr>
-              <a:t>3000</a:t>
-            </a:r>
-          </a:p>
-          <a:p>
-            <a:pPr marL="742950" lvl="1" indent="-285750" latinLnBrk="0">
-              <a:lnSpc>
-                <a:spcPct val="150000"/>
-              </a:lnSpc>
-              <a:buFont typeface="Arial" panose="020B0604020202020204" pitchFamily="34" charset="0"/>
-              <a:buChar char="•"/>
-            </a:pPr>
-            <a:r>
-              <a:rPr lang="en-US" altLang="ko-KR" dirty="0" err="1">
-                <a:solidFill>
-                  <a:srgbClr val="FF0000"/>
-                </a:solidFill>
-              </a:rPr>
-              <a:t>tskill</a:t>
-            </a:r>
-            <a:r>
-              <a:rPr lang="en-US" altLang="ko-KR" dirty="0">
-                <a:solidFill>
-                  <a:srgbClr val="FF0000"/>
-                </a:solidFill>
-              </a:rPr>
-              <a:t> </a:t>
-            </a:r>
-            <a:r>
-              <a:rPr lang="en-US" altLang="ko-KR" dirty="0" err="1" smtClean="0">
-                <a:solidFill>
-                  <a:srgbClr val="FF0000"/>
-                </a:solidFill>
-              </a:rPr>
-              <a:t>pid</a:t>
+              <a:t>PID</a:t>
             </a:r>
             <a:r>
               <a:rPr lang="en-US" altLang="ko-KR" dirty="0" smtClean="0">
@@ -5953,6 +5963,11 @@
               </a:rPr>
               <a:t> </a:t>
             </a:r>
+            <a:endParaRPr lang="en-US" altLang="ko-KR" dirty="0" smtClean="0">
+              <a:solidFill>
+                <a:srgbClr val="FF0000"/>
+              </a:solidFill>
+            </a:endParaRPr>
           </a:p>
           <a:p>
             <a:pPr marL="742950" lvl="1" indent="-285750" latinLnBrk="0">
